--- a/3.Linux/02.Users and Groups/Linux Users and Groups.pptx
+++ b/3.Linux/02.Users and Groups/Linux Users and Groups.pptx
@@ -213,7 +213,7 @@
           <a:p>
             <a:fld id="{2C8BCFDC-AFC7-4040-913F-11667C5AA5B6}" type="datetimeFigureOut">
               <a:rPr lang="en-US" smtClean="0"/>
-              <a:t>6/26/2020</a:t>
+              <a:t>8/16/2021</a:t>
             </a:fld>
             <a:endParaRPr lang="en-US"/>
           </a:p>
@@ -731,7 +731,18 @@
           <a:bodyPr/>
           <a:lstStyle/>
           <a:p>
-            <a:endParaRPr lang="en-US"/>
+            <a:r>
+              <a:rPr lang="en-US" dirty="0"/>
+              <a:t>You can modify groups and group memberships by editing the </a:t>
+            </a:r>
+            <a:r>
+              <a:rPr lang="en-US" dirty="0" err="1"/>
+              <a:t>etc</a:t>
+            </a:r>
+            <a:r>
+              <a:rPr lang="en-US" dirty="0"/>
+              <a:t>/group file directly.  As before, it is usually better to use the command line tools to reduce the chance of error.</a:t>
+            </a:r>
           </a:p>
         </p:txBody>
       </p:sp>
@@ -815,7 +826,34 @@
           <a:bodyPr/>
           <a:lstStyle/>
           <a:p>
-            <a:endParaRPr lang="en-US"/>
+            <a:r>
+              <a:rPr lang="en-US" dirty="0"/>
+              <a:t>Always log in with a regular account and use </a:t>
+            </a:r>
+            <a:r>
+              <a:rPr lang="en-US" dirty="0" err="1"/>
+              <a:t>su</a:t>
+            </a:r>
+            <a:r>
+              <a:rPr lang="en-US" dirty="0"/>
+              <a:t> or sudo when you need elevated privileges.  sudo (or </a:t>
+            </a:r>
+            <a:r>
+              <a:rPr lang="en-US" dirty="0" err="1"/>
+              <a:t>su</a:t>
+            </a:r>
+            <a:r>
+              <a:rPr lang="en-US" dirty="0"/>
+              <a:t> –</a:t>
+            </a:r>
+            <a:r>
+              <a:rPr lang="en-US" dirty="0" err="1"/>
+              <a:t>i</a:t>
+            </a:r>
+            <a:r>
+              <a:rPr lang="en-US" dirty="0"/>
+              <a:t>) is useful when you just need to run a command or two, sudo when you need to run many commands as root.</a:t>
+            </a:r>
           </a:p>
         </p:txBody>
       </p:sp>
@@ -937,7 +975,15 @@
             </a:r>
             <a:r>
               <a:rPr lang="en-US" dirty="0"/>
-              <a:t> file manually is not recommended.  If you make a mistake you can make it so that no one can run as root.  Instead, use </a:t>
+              <a:t> file manually is not recommended.  If you make a mistake, you can render the system </a:t>
+            </a:r>
+            <a:r>
+              <a:rPr lang="en-US" dirty="0" err="1"/>
+              <a:t>unuseable</a:t>
+            </a:r>
+            <a:r>
+              <a:rPr lang="en-US" dirty="0"/>
+              <a:t>.  Instead, use </a:t>
             </a:r>
             <a:r>
               <a:rPr lang="en-US" dirty="0" err="1"/>
@@ -953,7 +999,7 @@
             </a:r>
             <a:r>
               <a:rPr lang="en-US" dirty="0"/>
-              <a:t>.  If you are just trying to give a user root privileges via sudo, look and the line in the /</a:t>
+              <a:t>.  If you are just trying to give a user root privileges via sudo, look at the line in the /</a:t>
             </a:r>
             <a:r>
               <a:rPr lang="en-US" dirty="0" err="1"/>
@@ -969,13 +1015,8 @@
             </a:r>
             <a:r>
               <a:rPr lang="en-US" dirty="0"/>
-              <a:t> file that gives rights to root and copy it.  In Ubuntu it’s easier to just add the user to the </a:t>
-            </a:r>
-            <a:r>
-              <a:rPr lang="en-US"/>
-              <a:t>sudo group.</a:t>
-            </a:r>
-            <a:endParaRPr lang="en-US" dirty="0"/>
+              <a:t> file that gives rights to root and copy it.  In Ubuntu it’s easier to just add the user to the sudo group.</a:t>
+            </a:r>
           </a:p>
         </p:txBody>
       </p:sp>
@@ -1239,7 +1280,10 @@
           <a:bodyPr/>
           <a:lstStyle/>
           <a:p>
-            <a:endParaRPr lang="en-US"/>
+            <a:r>
+              <a:rPr lang="en-US" dirty="0"/>
+              <a:t>It is much better to control access with groups than by assigning access to individual user accounts.  Create groups and assign access to the groups.  Then control user access by adding or removing the users from groups.</a:t>
+            </a:r>
           </a:p>
         </p:txBody>
       </p:sp>
@@ -1323,7 +1367,10 @@
           <a:bodyPr/>
           <a:lstStyle/>
           <a:p>
-            <a:endParaRPr lang="en-US"/>
+            <a:r>
+              <a:rPr lang="en-US" dirty="0"/>
+              <a:t>Once you have added one user via the command line, you can see how the command works and what access it needs.  Then you can write a script to read a text file of user names (and other required items) and create, modify, or remove large numbers of user accounts at once.  Of course, you have to be careful…</a:t>
+            </a:r>
           </a:p>
         </p:txBody>
       </p:sp>
@@ -1680,7 +1727,18 @@
           <a:bodyPr/>
           <a:lstStyle/>
           <a:p>
-            <a:endParaRPr lang="en-US"/>
+            <a:r>
+              <a:rPr lang="en-US" dirty="0"/>
+              <a:t>You can change user accounts by modifying the /</a:t>
+            </a:r>
+            <a:r>
+              <a:rPr lang="en-US" dirty="0" err="1"/>
+              <a:t>etc</a:t>
+            </a:r>
+            <a:r>
+              <a:rPr lang="en-US" dirty="0"/>
+              <a:t>/passwd file directly if you have root access.  In general it is better to do that work with command line tools as there is a smaller chance of error.</a:t>
+            </a:r>
           </a:p>
         </p:txBody>
       </p:sp>
@@ -2107,7 +2165,7 @@
           <a:p>
             <a:fld id="{CA8951BB-5CCB-4817-B16C-E66A0C670350}" type="datetimeFigureOut">
               <a:rPr lang="en-US" smtClean="0"/>
-              <a:t>6/26/2020</a:t>
+              <a:t>8/16/2021</a:t>
             </a:fld>
             <a:endParaRPr lang="en-US"/>
           </a:p>
@@ -2305,7 +2363,7 @@
           <a:p>
             <a:fld id="{CA8951BB-5CCB-4817-B16C-E66A0C670350}" type="datetimeFigureOut">
               <a:rPr lang="en-US" smtClean="0"/>
-              <a:t>6/26/2020</a:t>
+              <a:t>8/16/2021</a:t>
             </a:fld>
             <a:endParaRPr lang="en-US"/>
           </a:p>
@@ -2513,7 +2571,7 @@
           <a:p>
             <a:fld id="{CA8951BB-5CCB-4817-B16C-E66A0C670350}" type="datetimeFigureOut">
               <a:rPr lang="en-US" smtClean="0"/>
-              <a:t>6/26/2020</a:t>
+              <a:t>8/16/2021</a:t>
             </a:fld>
             <a:endParaRPr lang="en-US"/>
           </a:p>
@@ -2711,7 +2769,7 @@
           <a:p>
             <a:fld id="{CA8951BB-5CCB-4817-B16C-E66A0C670350}" type="datetimeFigureOut">
               <a:rPr lang="en-US" smtClean="0"/>
-              <a:t>6/26/2020</a:t>
+              <a:t>8/16/2021</a:t>
             </a:fld>
             <a:endParaRPr lang="en-US"/>
           </a:p>
@@ -2986,7 +3044,7 @@
           <a:p>
             <a:fld id="{CA8951BB-5CCB-4817-B16C-E66A0C670350}" type="datetimeFigureOut">
               <a:rPr lang="en-US" smtClean="0"/>
-              <a:t>6/26/2020</a:t>
+              <a:t>8/16/2021</a:t>
             </a:fld>
             <a:endParaRPr lang="en-US"/>
           </a:p>
@@ -3251,7 +3309,7 @@
           <a:p>
             <a:fld id="{CA8951BB-5CCB-4817-B16C-E66A0C670350}" type="datetimeFigureOut">
               <a:rPr lang="en-US" smtClean="0"/>
-              <a:t>6/26/2020</a:t>
+              <a:t>8/16/2021</a:t>
             </a:fld>
             <a:endParaRPr lang="en-US"/>
           </a:p>
@@ -3663,7 +3721,7 @@
           <a:p>
             <a:fld id="{CA8951BB-5CCB-4817-B16C-E66A0C670350}" type="datetimeFigureOut">
               <a:rPr lang="en-US" smtClean="0"/>
-              <a:t>6/26/2020</a:t>
+              <a:t>8/16/2021</a:t>
             </a:fld>
             <a:endParaRPr lang="en-US"/>
           </a:p>
@@ -3804,7 +3862,7 @@
           <a:p>
             <a:fld id="{CA8951BB-5CCB-4817-B16C-E66A0C670350}" type="datetimeFigureOut">
               <a:rPr lang="en-US" smtClean="0"/>
-              <a:t>6/26/2020</a:t>
+              <a:t>8/16/2021</a:t>
             </a:fld>
             <a:endParaRPr lang="en-US"/>
           </a:p>
@@ -3917,7 +3975,7 @@
           <a:p>
             <a:fld id="{CA8951BB-5CCB-4817-B16C-E66A0C670350}" type="datetimeFigureOut">
               <a:rPr lang="en-US" smtClean="0"/>
-              <a:t>6/26/2020</a:t>
+              <a:t>8/16/2021</a:t>
             </a:fld>
             <a:endParaRPr lang="en-US"/>
           </a:p>
@@ -4228,7 +4286,7 @@
           <a:p>
             <a:fld id="{CA8951BB-5CCB-4817-B16C-E66A0C670350}" type="datetimeFigureOut">
               <a:rPr lang="en-US" smtClean="0"/>
-              <a:t>6/26/2020</a:t>
+              <a:t>8/16/2021</a:t>
             </a:fld>
             <a:endParaRPr lang="en-US"/>
           </a:p>
@@ -4516,7 +4574,7 @@
           <a:p>
             <a:fld id="{CA8951BB-5CCB-4817-B16C-E66A0C670350}" type="datetimeFigureOut">
               <a:rPr lang="en-US" smtClean="0"/>
-              <a:t>6/26/2020</a:t>
+              <a:t>8/16/2021</a:t>
             </a:fld>
             <a:endParaRPr lang="en-US"/>
           </a:p>
@@ -4757,7 +4815,7 @@
           <a:p>
             <a:fld id="{CA8951BB-5CCB-4817-B16C-E66A0C670350}" type="datetimeFigureOut">
               <a:rPr lang="en-US" smtClean="0"/>
-              <a:t>6/26/2020</a:t>
+              <a:t>8/16/2021</a:t>
             </a:fld>
             <a:endParaRPr lang="en-US"/>
           </a:p>
